--- a/CAM instructions/CAMEL_Instrunctions_DE_noArrows_long.pptx
+++ b/CAM instructions/CAMEL_Instrunctions_DE_noArrows_long.pptx
@@ -139,6 +139,138 @@
 </p:presentation>
 </file>
 
+<file path=ppt/authors.xml><?xml version="1.0" encoding="utf-8"?>
+<p188:authorLst xmlns:a="http://schemas.openxmlformats.org/drawingml/2006/main" xmlns:r="http://schemas.openxmlformats.org/officeDocument/2006/relationships" xmlns:p188="http://schemas.microsoft.com/office/powerpoint/2018/8/main">
+  <p188:author id="{7EF12324-BE75-93BC-0D7E-B1A906D04C59}" name="louisa estadieu" initials="le" userId="bea5001da6554cd6" providerId="Windows Live"/>
+</p188:authorLst>
+</file>
+
+<file path=ppt/comments/modernComment_100_5E06829B.xml><?xml version="1.0" encoding="utf-8"?>
+<p188:cmLst xmlns:a="http://schemas.openxmlformats.org/drawingml/2006/main" xmlns:r="http://schemas.openxmlformats.org/officeDocument/2006/relationships" xmlns:p188="http://schemas.microsoft.com/office/powerpoint/2018/8/main">
+  <p188:cm id="{B6472614-2558-224D-8F41-FDBC3DA1B214}" authorId="{7EF12324-BE75-93BC-0D7E-B1A906D04C59}" created="2023-12-05T16:42:04.883">
+    <ac:txMkLst xmlns:ac="http://schemas.microsoft.com/office/drawing/2013/main/command">
+      <pc:docMk xmlns:pc="http://schemas.microsoft.com/office/powerpoint/2013/main/command"/>
+      <pc:sldMk xmlns:pc="http://schemas.microsoft.com/office/powerpoint/2013/main/command" cId="1577484955" sldId="256"/>
+      <ac:spMk id="4" creationId="{C0BC7722-6C0F-964B-B49E-2D43DDFD90A5}"/>
+      <ac:txMk cp="220" len="45">
+        <ac:context len="369" hash="4046380884"/>
+      </ac:txMk>
+    </ac:txMkLst>
+    <p188:pos x="9947918" y="2474987"/>
+    <p188:txBody>
+      <a:bodyPr/>
+      <a:lstStyle/>
+      <a:p>
+        <a:r>
+          <a:rPr lang="de-DE"/>
+          <a:t>Option: „wie Sie unser Programm (C.A.M.E.L.) verwenden können, um eine Mind-Map zu zeichnen.“</a:t>
+        </a:r>
+      </a:p>
+    </p188:txBody>
+  </p188:cm>
+</p188:cmLst>
+</file>
+
+<file path=ppt/comments/modernComment_10D_F0A918E0.xml><?xml version="1.0" encoding="utf-8"?>
+<p188:cmLst xmlns:a="http://schemas.openxmlformats.org/drawingml/2006/main" xmlns:r="http://schemas.openxmlformats.org/officeDocument/2006/relationships" xmlns:p188="http://schemas.microsoft.com/office/powerpoint/2018/8/main">
+  <p188:cm id="{487D5CD2-B69D-E34A-94B1-C0FE5185D9D6}" authorId="{7EF12324-BE75-93BC-0D7E-B1A906D04C59}" created="2023-12-05T14:03:53.724">
+    <ac:txMkLst xmlns:ac="http://schemas.microsoft.com/office/drawing/2013/main/command">
+      <pc:docMk xmlns:pc="http://schemas.microsoft.com/office/powerpoint/2013/main/command"/>
+      <pc:sldMk xmlns:pc="http://schemas.microsoft.com/office/powerpoint/2013/main/command" cId="4037613792" sldId="269"/>
+      <ac:spMk id="15" creationId="{433FA68E-1F56-D84D-9971-8CBFCD53D8CA}"/>
+      <ac:txMk cp="0" len="90">
+        <ac:context len="204" hash="1467821180"/>
+      </ac:txMk>
+    </ac:txMkLst>
+    <p188:pos x="5158838" y="549727"/>
+    <p188:txBody>
+      <a:bodyPr/>
+      <a:lstStyle/>
+      <a:p>
+        <a:r>
+          <a:rPr lang="de-DE"/>
+          <a:t>Option (für Klarheit): „Um zwei Konzepte miteinander zu verbinden, muss Julia auf jedes der Konzepte einmal klicken.“</a:t>
+        </a:r>
+      </a:p>
+    </p188:txBody>
+  </p188:cm>
+</p188:cmLst>
+</file>
+
+<file path=ppt/comments/modernComment_118_DF257813.xml><?xml version="1.0" encoding="utf-8"?>
+<p188:cmLst xmlns:a="http://schemas.openxmlformats.org/drawingml/2006/main" xmlns:r="http://schemas.openxmlformats.org/officeDocument/2006/relationships" xmlns:p188="http://schemas.microsoft.com/office/powerpoint/2018/8/main">
+  <p188:cm id="{ADB146F3-0CE6-7B44-BEC7-9A3CA2E9B1A5}" authorId="{7EF12324-BE75-93BC-0D7E-B1A906D04C59}" created="2023-12-05T16:45:46.446">
+    <ac:txMkLst xmlns:ac="http://schemas.microsoft.com/office/drawing/2013/main/command">
+      <pc:docMk xmlns:pc="http://schemas.microsoft.com/office/powerpoint/2013/main/command"/>
+      <pc:sldMk xmlns:pc="http://schemas.microsoft.com/office/powerpoint/2013/main/command" cId="3743774739" sldId="280"/>
+      <ac:spMk id="7" creationId="{00000000-0000-0000-0000-000000000000}"/>
+      <ac:txMk cp="31" len="6">
+        <ac:context len="150" hash="3719591361"/>
+      </ac:txMk>
+    </ac:txMkLst>
+    <p188:pos x="5611304" y="762793"/>
+    <p188:txBody>
+      <a:bodyPr/>
+      <a:lstStyle/>
+      <a:p>
+        <a:r>
+          <a:rPr lang="de-DE"/>
+          <a:t>Option: „Kasten (= Konzept)“ (damit deutlich wird, worauf sich ‚Konzepte‘ im folgenden Satz bezieht. </a:t>
+        </a:r>
+      </a:p>
+    </p188:txBody>
+  </p188:cm>
+</p188:cmLst>
+</file>
+
+<file path=ppt/comments/modernComment_11A_99E00592.xml><?xml version="1.0" encoding="utf-8"?>
+<p188:cmLst xmlns:a="http://schemas.openxmlformats.org/drawingml/2006/main" xmlns:r="http://schemas.openxmlformats.org/officeDocument/2006/relationships" xmlns:p188="http://schemas.microsoft.com/office/powerpoint/2018/8/main">
+  <p188:cm id="{DF0A189E-C78E-2B48-938A-62A421E53809}" authorId="{7EF12324-BE75-93BC-0D7E-B1A906D04C59}" created="2023-12-05T14:41:24.513">
+    <ac:txMkLst xmlns:ac="http://schemas.microsoft.com/office/drawing/2013/main/command">
+      <pc:docMk xmlns:pc="http://schemas.microsoft.com/office/powerpoint/2013/main/command"/>
+      <pc:sldMk xmlns:pc="http://schemas.microsoft.com/office/powerpoint/2013/main/command" cId="2581595538" sldId="282"/>
+      <ac:spMk id="17" creationId="{F63D21CF-8B2D-1A42-BC39-448A54EBD69C}"/>
+      <ac:txMk cp="183" len="23">
+        <ac:context len="282" hash="3447656925"/>
+      </ac:txMk>
+    </ac:txMkLst>
+    <p188:pos x="10279586" y="1388840"/>
+    <p188:txBody>
+      <a:bodyPr/>
+      <a:lstStyle/>
+      <a:p>
+        <a:r>
+          <a:rPr lang="de-DE"/>
+          <a:t>Option: „Das bedeutet, dass bei einem Einkauf auf dem Markt das Risiko besteht, ….“</a:t>
+        </a:r>
+      </a:p>
+    </p188:txBody>
+  </p188:cm>
+</p188:cmLst>
+</file>
+
+<file path=ppt/comments/modernComment_11F_9C9D218F.xml><?xml version="1.0" encoding="utf-8"?>
+<p188:cmLst xmlns:a="http://schemas.openxmlformats.org/drawingml/2006/main" xmlns:r="http://schemas.openxmlformats.org/officeDocument/2006/relationships" xmlns:p188="http://schemas.microsoft.com/office/powerpoint/2018/8/main">
+  <p188:cm id="{A37EDC9F-94BE-DE4D-8E68-12C62AF0FF4A}" authorId="{7EF12324-BE75-93BC-0D7E-B1A906D04C59}" created="2023-12-05T14:49:31.514">
+    <ac:deMkLst xmlns:ac="http://schemas.microsoft.com/office/drawing/2013/main/command">
+      <pc:docMk xmlns:pc="http://schemas.microsoft.com/office/powerpoint/2013/main/command"/>
+      <pc:sldMk xmlns:pc="http://schemas.microsoft.com/office/powerpoint/2013/main/command" cId="2627543439" sldId="287"/>
+      <ac:picMk id="2" creationId="{00000000-0000-0000-0000-000000000000}"/>
+    </ac:deMkLst>
+    <p188:txBody>
+      <a:bodyPr/>
+      <a:lstStyle/>
+      <a:p>
+        <a:r>
+          <a:rPr lang="de-DE"/>
+          <a:t>Etwas knappere Option für Text in „Schnellübersicht“: Bitte klicken Sie auf die Navigationsleiste, wenn Sie beim Zeichnen der Cognitive Affective Map Hilfe benötigen. Ansonsten können Sie dieses Fenster jetzt schließen.“ </a:t>
+        </a:r>
+      </a:p>
+    </p188:txBody>
+  </p188:cm>
+</p188:cmLst>
+</file>
+
 <file path=ppt/notesMasters/notesMaster1.xml><?xml version="1.0" encoding="utf-8"?>
 <p:notesMaster xmlns:a="http://schemas.openxmlformats.org/drawingml/2006/main" xmlns:r="http://schemas.openxmlformats.org/officeDocument/2006/relationships" xmlns:p="http://schemas.openxmlformats.org/presentationml/2006/main">
   <p:cSld>
@@ -221,7 +353,7 @@
           <a:p>
             <a:fld id="{90F0EB0E-A88A-431C-88AB-79E37D3C9D03}" type="datetimeFigureOut">
               <a:rPr lang="de-DE" smtClean="0"/>
-              <a:t>05.12.2023</a:t>
+              <a:t>05.12.23</a:t>
             </a:fld>
             <a:endParaRPr lang="de-DE"/>
           </a:p>
@@ -1288,7 +1420,7 @@
           <a:bodyPr/>
           <a:lstStyle/>
           <a:p>
-            <a:endParaRPr lang="de-DE"/>
+            <a:endParaRPr lang="de-DE" dirty="0"/>
           </a:p>
         </p:txBody>
       </p:sp>
@@ -2548,7 +2680,7 @@
           <a:bodyPr/>
           <a:lstStyle/>
           <a:p>
-            <a:endParaRPr lang="de-DE"/>
+            <a:endParaRPr lang="de-DE" dirty="0"/>
           </a:p>
         </p:txBody>
       </p:sp>
@@ -2717,7 +2849,7 @@
           <a:p>
             <a:fld id="{1BE4C64B-2A49-4120-8B7B-5E6F42237637}" type="datetimeFigureOut">
               <a:rPr lang="de-DE" smtClean="0"/>
-              <a:t>05.12.2023</a:t>
+              <a:t>05.12.23</a:t>
             </a:fld>
             <a:endParaRPr lang="de-DE"/>
           </a:p>
@@ -2885,7 +3017,7 @@
           <a:p>
             <a:fld id="{1BE4C64B-2A49-4120-8B7B-5E6F42237637}" type="datetimeFigureOut">
               <a:rPr lang="de-DE" smtClean="0"/>
-              <a:t>05.12.2023</a:t>
+              <a:t>05.12.23</a:t>
             </a:fld>
             <a:endParaRPr lang="de-DE"/>
           </a:p>
@@ -3063,7 +3195,7 @@
           <a:p>
             <a:fld id="{1BE4C64B-2A49-4120-8B7B-5E6F42237637}" type="datetimeFigureOut">
               <a:rPr lang="de-DE" smtClean="0"/>
-              <a:t>05.12.2023</a:t>
+              <a:t>05.12.23</a:t>
             </a:fld>
             <a:endParaRPr lang="de-DE"/>
           </a:p>
@@ -3231,7 +3363,7 @@
           <a:p>
             <a:fld id="{1BE4C64B-2A49-4120-8B7B-5E6F42237637}" type="datetimeFigureOut">
               <a:rPr lang="de-DE" smtClean="0"/>
-              <a:t>05.12.2023</a:t>
+              <a:t>05.12.23</a:t>
             </a:fld>
             <a:endParaRPr lang="de-DE"/>
           </a:p>
@@ -3476,7 +3608,7 @@
           <a:p>
             <a:fld id="{1BE4C64B-2A49-4120-8B7B-5E6F42237637}" type="datetimeFigureOut">
               <a:rPr lang="de-DE" smtClean="0"/>
-              <a:t>05.12.2023</a:t>
+              <a:t>05.12.23</a:t>
             </a:fld>
             <a:endParaRPr lang="de-DE"/>
           </a:p>
@@ -3705,7 +3837,7 @@
           <a:p>
             <a:fld id="{1BE4C64B-2A49-4120-8B7B-5E6F42237637}" type="datetimeFigureOut">
               <a:rPr lang="de-DE" smtClean="0"/>
-              <a:t>05.12.2023</a:t>
+              <a:t>05.12.23</a:t>
             </a:fld>
             <a:endParaRPr lang="de-DE"/>
           </a:p>
@@ -4069,7 +4201,7 @@
           <a:p>
             <a:fld id="{1BE4C64B-2A49-4120-8B7B-5E6F42237637}" type="datetimeFigureOut">
               <a:rPr lang="de-DE" smtClean="0"/>
-              <a:t>05.12.2023</a:t>
+              <a:t>05.12.23</a:t>
             </a:fld>
             <a:endParaRPr lang="de-DE"/>
           </a:p>
@@ -4186,7 +4318,7 @@
           <a:p>
             <a:fld id="{1BE4C64B-2A49-4120-8B7B-5E6F42237637}" type="datetimeFigureOut">
               <a:rPr lang="de-DE" smtClean="0"/>
-              <a:t>05.12.2023</a:t>
+              <a:t>05.12.23</a:t>
             </a:fld>
             <a:endParaRPr lang="de-DE"/>
           </a:p>
@@ -4281,7 +4413,7 @@
           <a:p>
             <a:fld id="{1BE4C64B-2A49-4120-8B7B-5E6F42237637}" type="datetimeFigureOut">
               <a:rPr lang="de-DE" smtClean="0"/>
-              <a:t>05.12.2023</a:t>
+              <a:t>05.12.23</a:t>
             </a:fld>
             <a:endParaRPr lang="de-DE"/>
           </a:p>
@@ -4556,7 +4688,7 @@
           <a:p>
             <a:fld id="{1BE4C64B-2A49-4120-8B7B-5E6F42237637}" type="datetimeFigureOut">
               <a:rPr lang="de-DE" smtClean="0"/>
-              <a:t>05.12.2023</a:t>
+              <a:t>05.12.23</a:t>
             </a:fld>
             <a:endParaRPr lang="de-DE"/>
           </a:p>
@@ -4808,7 +4940,7 @@
           <a:p>
             <a:fld id="{1BE4C64B-2A49-4120-8B7B-5E6F42237637}" type="datetimeFigureOut">
               <a:rPr lang="de-DE" smtClean="0"/>
-              <a:t>05.12.2023</a:t>
+              <a:t>05.12.23</a:t>
             </a:fld>
             <a:endParaRPr lang="de-DE"/>
           </a:p>
@@ -5028,7 +5160,7 @@
           <a:p>
             <a:fld id="{1BE4C64B-2A49-4120-8B7B-5E6F42237637}" type="datetimeFigureOut">
               <a:rPr lang="de-DE" smtClean="0"/>
-              <a:t>05.12.2023</a:t>
+              <a:t>05.12.23</a:t>
             </a:fld>
             <a:endParaRPr lang="de-DE"/>
           </a:p>
@@ -5533,6 +5665,11 @@
   <p:clrMapOvr>
     <a:masterClrMapping/>
   </p:clrMapOvr>
+  <p:extLst>
+    <p:ext uri="{6950BFC3-D8DA-4A85-94F7-54DA5524770B}">
+      <p188:commentRel xmlns:p188="http://schemas.microsoft.com/office/powerpoint/2018/8/main" r:id="rId3"/>
+    </p:ext>
+  </p:extLst>
 </p:sld>
 </file>
 
@@ -5947,7 +6084,7 @@
               </a:spcAft>
             </a:pPr>
             <a:r>
-              <a:rPr lang="en-US" sz="2800" dirty="0" err="1">
+              <a:rPr lang="en-US" sz="2800" dirty="0">
                 <a:ea typeface="Calibri" panose="020F0502020204030204" pitchFamily="34" charset="0"/>
                 <a:cs typeface="Times New Roman" panose="02020603050405020304" pitchFamily="18" charset="0"/>
               </a:rPr>
@@ -5987,25 +6124,11 @@
               </a:spcAft>
             </a:pPr>
             <a:r>
-              <a:rPr lang="en-US" sz="2800" dirty="0" err="1">
-                <a:ea typeface="Calibri" panose="020F0502020204030204" pitchFamily="34" charset="0"/>
-                <a:cs typeface="Times New Roman" panose="02020603050405020304" pitchFamily="18" charset="0"/>
-              </a:rPr>
-              <a:t>leicht</a:t>
-            </a:r>
-            <a:r>
               <a:rPr lang="en-US" sz="2800" dirty="0">
                 <a:ea typeface="Calibri" panose="020F0502020204030204" pitchFamily="34" charset="0"/>
                 <a:cs typeface="Times New Roman" panose="02020603050405020304" pitchFamily="18" charset="0"/>
               </a:rPr>
-              <a:t> </a:t>
-            </a:r>
-            <a:r>
-              <a:rPr lang="en-US" sz="2800" dirty="0" err="1">
-                <a:ea typeface="Calibri" panose="020F0502020204030204" pitchFamily="34" charset="0"/>
-                <a:cs typeface="Times New Roman" panose="02020603050405020304" pitchFamily="18" charset="0"/>
-              </a:rPr>
-              <a:t>negativ</a:t>
+              <a:t>leicht negativ</a:t>
             </a:r>
             <a:endParaRPr lang="aa-ET" sz="2400" dirty="0">
               <a:ea typeface="Calibri" panose="020F0502020204030204" pitchFamily="34" charset="0"/>
@@ -6104,7 +6227,35 @@
                 <a:ea typeface="Calibri" panose="020F0502020204030204" pitchFamily="34" charset="0"/>
                 <a:cs typeface="Times New Roman" panose="02020603050405020304" pitchFamily="18" charset="0"/>
               </a:rPr>
-              <a:t>Je dicker der Rand des Sechsecks, desto negativer wird das Konzept gewichtet!</a:t>
+              <a:t>Je </a:t>
+            </a:r>
+            <a:r>
+              <a:rPr lang="de-DE" sz="2800" b="1" dirty="0">
+                <a:ea typeface="Calibri" panose="020F0502020204030204" pitchFamily="34" charset="0"/>
+                <a:cs typeface="Times New Roman" panose="02020603050405020304" pitchFamily="18" charset="0"/>
+              </a:rPr>
+              <a:t>dicker</a:t>
+            </a:r>
+            <a:r>
+              <a:rPr lang="de-DE" sz="2800" dirty="0">
+                <a:ea typeface="Calibri" panose="020F0502020204030204" pitchFamily="34" charset="0"/>
+                <a:cs typeface="Times New Roman" panose="02020603050405020304" pitchFamily="18" charset="0"/>
+              </a:rPr>
+              <a:t> der Rand des Sechsecks, desto</a:t>
+            </a:r>
+            <a:r>
+              <a:rPr lang="de-DE" sz="2800" b="1" dirty="0">
+                <a:ea typeface="Calibri" panose="020F0502020204030204" pitchFamily="34" charset="0"/>
+                <a:cs typeface="Times New Roman" panose="02020603050405020304" pitchFamily="18" charset="0"/>
+              </a:rPr>
+              <a:t> negativer </a:t>
+            </a:r>
+            <a:r>
+              <a:rPr lang="de-DE" sz="2800" dirty="0">
+                <a:ea typeface="Calibri" panose="020F0502020204030204" pitchFamily="34" charset="0"/>
+                <a:cs typeface="Times New Roman" panose="02020603050405020304" pitchFamily="18" charset="0"/>
+              </a:rPr>
+              <a:t>wird das Konzept gewichtet!</a:t>
             </a:r>
           </a:p>
           <a:p>
@@ -6188,7 +6339,7 @@
               </a:spcAft>
             </a:pPr>
             <a:r>
-              <a:rPr lang="en-US" sz="2800" dirty="0" err="1">
+              <a:rPr lang="en-US" sz="2800" dirty="0">
                 <a:ea typeface="Calibri" panose="020F0502020204030204" pitchFamily="34" charset="0"/>
                 <a:cs typeface="Times New Roman" panose="02020603050405020304" pitchFamily="18" charset="0"/>
               </a:rPr>
@@ -6201,7 +6352,7 @@
               </a:rPr>
             </a:br>
             <a:r>
-              <a:rPr lang="en-US" sz="2800" dirty="0" err="1">
+              <a:rPr lang="en-US" sz="2800" dirty="0">
                 <a:ea typeface="Calibri" panose="020F0502020204030204" pitchFamily="34" charset="0"/>
                 <a:cs typeface="Times New Roman" panose="02020603050405020304" pitchFamily="18" charset="0"/>
               </a:rPr>
@@ -6701,14 +6852,9 @@
           <a:lstStyle/>
           <a:p>
             <a:r>
-              <a:rPr lang="en-US" sz="2000"/>
-              <a:t> </a:t>
-            </a:r>
-            <a:r>
-              <a:rPr lang="en-US" sz="2000" err="1"/>
-              <a:t>negativ</a:t>
-            </a:r>
-            <a:endParaRPr lang="en-US" sz="2000"/>
+              <a:rPr lang="en-US" sz="2000" dirty="0"/>
+              <a:t> negativ</a:t>
+            </a:r>
           </a:p>
         </p:txBody>
       </p:sp>
@@ -6776,14 +6922,9 @@
           <a:lstStyle/>
           <a:p>
             <a:r>
-              <a:rPr lang="en-US" sz="2000"/>
-              <a:t> </a:t>
-            </a:r>
-            <a:r>
-              <a:rPr lang="en-US" sz="2000" err="1"/>
-              <a:t>positiv</a:t>
-            </a:r>
-            <a:endParaRPr lang="en-US" sz="2000"/>
+              <a:rPr lang="en-US" sz="2000" dirty="0"/>
+              <a:t> positiv</a:t>
+            </a:r>
           </a:p>
         </p:txBody>
       </p:sp>
@@ -7182,7 +7323,7 @@
           <p:nvPr/>
         </p:nvPicPr>
         <p:blipFill>
-          <a:blip r:embed="rId3" cstate="print">
+          <a:blip r:embed="rId4" cstate="print">
             <a:extLst>
               <a:ext uri="{28A0092B-C50C-407E-A947-70E740481C1C}">
                 <a14:useLocalDpi xmlns:a14="http://schemas.microsoft.com/office/drawing/2010/main" val="0"/>
@@ -7217,7 +7358,7 @@
         <p:spPr>
           <a:xfrm>
             <a:off x="341630" y="491282"/>
-            <a:ext cx="5311972" cy="3744615"/>
+            <a:ext cx="5311972" cy="4001095"/>
           </a:xfrm>
           <a:prstGeom prst="rect">
             <a:avLst/>
@@ -7241,6 +7382,14 @@
               </a:rPr>
               <a:t>Um zwei Konzepte miteinander zu verbinden, muss Julia auf beide Konzepte ein Mal klicken. </a:t>
             </a:r>
+          </a:p>
+          <a:p>
+            <a:pPr>
+              <a:spcAft>
+                <a:spcPts val="800"/>
+              </a:spcAft>
+            </a:pPr>
+            <a:endParaRPr lang="de-DE" sz="1000" dirty="0"/>
           </a:p>
           <a:p>
             <a:pPr>
@@ -7285,7 +7434,7 @@
           <p:nvPr/>
         </p:nvPicPr>
         <p:blipFill>
-          <a:blip r:embed="rId4" cstate="screen">
+          <a:blip r:embed="rId5" cstate="screen">
             <a:extLst>
               <a:ext uri="{28A0092B-C50C-407E-A947-70E740481C1C}">
                 <a14:useLocalDpi xmlns:a14="http://schemas.microsoft.com/office/drawing/2010/main"/>
@@ -7321,7 +7470,7 @@
           <p:nvPr/>
         </p:nvPicPr>
         <p:blipFill>
-          <a:blip r:embed="rId5" cstate="print">
+          <a:blip r:embed="rId6" cstate="print">
             <a:extLst>
               <a:ext uri="{28A0092B-C50C-407E-A947-70E740481C1C}">
                 <a14:useLocalDpi xmlns:a14="http://schemas.microsoft.com/office/drawing/2010/main" val="0"/>
@@ -7391,7 +7540,7 @@
           <p:nvPr/>
         </p:nvPicPr>
         <p:blipFill>
-          <a:blip r:embed="rId4" cstate="screen">
+          <a:blip r:embed="rId5" cstate="screen">
             <a:extLst>
               <a:ext uri="{28A0092B-C50C-407E-A947-70E740481C1C}">
                 <a14:useLocalDpi xmlns:a14="http://schemas.microsoft.com/office/drawing/2010/main"/>
@@ -7422,6 +7571,11 @@
   <p:clrMapOvr>
     <a:masterClrMapping/>
   </p:clrMapOvr>
+  <p:extLst>
+    <p:ext uri="{6950BFC3-D8DA-4A85-94F7-54DA5524770B}">
+      <p188:commentRel xmlns:p188="http://schemas.microsoft.com/office/powerpoint/2018/8/main" r:id="rId3"/>
+    </p:ext>
+  </p:extLst>
 </p:sld>
 </file>
 
@@ -7864,7 +8018,7 @@
           <a:p>
             <a:r>
               <a:rPr lang="de-DE" sz="2800" dirty="0"/>
-              <a:t>Anhand der Stärke der Linien können wir erkennen, dass für Julia „leckere Lebensmittel“ einen stärkeren Einfluss haben auf die Entscheidung, auf den Wochenmarkt zu gehen, als die Tatsache, dabei „im Freien“ zu sein.</a:t>
+              <a:t>Anhand der Stärke der Linien können wir erkennen, dass für Julia „leckere Lebensmittel“ einen stärkeren Einfluss auf die Entscheidung haben, auf den Wochenmarkt zu gehen, als die Tatsache, dabei „im Freien“ zu sein.</a:t>
             </a:r>
           </a:p>
         </p:txBody>
@@ -7971,7 +8125,7 @@
           <a:p>
             <a:r>
               <a:rPr lang="de-DE" sz="2800" dirty="0"/>
-              <a:t>Sie bewegt den Schieberegler nach rechts. </a:t>
+              <a:t>Julia bewegt den Schieberegler nach rechts. </a:t>
             </a:r>
           </a:p>
         </p:txBody>
@@ -8085,7 +8239,7 @@
         </p:nvSpPr>
         <p:spPr>
           <a:xfrm>
-            <a:off x="236514" y="2349968"/>
+            <a:off x="236514" y="2036002"/>
             <a:ext cx="5427167" cy="4524315"/>
           </a:xfrm>
           <a:prstGeom prst="rect">
@@ -8334,7 +8488,7 @@
           <p:nvPr/>
         </p:nvPicPr>
         <p:blipFill>
-          <a:blip r:embed="rId3"/>
+          <a:blip r:embed="rId4"/>
           <a:stretch>
             <a:fillRect/>
           </a:stretch>
@@ -8553,7 +8707,7 @@
             </a:r>
             <a:r>
               <a:rPr lang="de-DE" sz="2800" dirty="0"/>
-              <a:t>kann auch durch einen </a:t>
+              <a:t>kann auch durch eine </a:t>
             </a:r>
             <a:r>
               <a:rPr lang="de-DE" sz="2800" b="1" dirty="0"/>
@@ -8612,6 +8766,11 @@
   <p:clrMapOvr>
     <a:masterClrMapping/>
   </p:clrMapOvr>
+  <p:extLst>
+    <p:ext uri="{6950BFC3-D8DA-4A85-94F7-54DA5524770B}">
+      <p188:commentRel xmlns:p188="http://schemas.microsoft.com/office/powerpoint/2018/8/main" r:id="rId3"/>
+    </p:ext>
+  </p:extLst>
 </p:sld>
 </file>
 
@@ -9092,7 +9251,7 @@
                   <a:srgbClr val="0070C0"/>
                 </a:solidFill>
               </a:rPr>
-              <a:t>Wenn „gutes Wetter“, dann Einkauf auf dem „Wochenmarkt“</a:t>
+              <a:t>Wenn „gutes Wetter“, dann „Einkauf auf dem Wochenmarkt“.</a:t>
             </a:r>
           </a:p>
         </p:txBody>
@@ -9153,7 +9312,7 @@
                   <a:srgbClr val="0070C0"/>
                 </a:solidFill>
               </a:rPr>
-              <a:t>Wenn „schlechtes Wetter“, dann kein „Einkauf auf dem Wochenmarkt“</a:t>
+              <a:t>Wenn „schlechtes Wetter“, dann kein „Einkauf auf dem Wochenmarkt“.</a:t>
             </a:r>
           </a:p>
         </p:txBody>
@@ -9667,7 +9826,7 @@
           <p:nvPr/>
         </p:nvPicPr>
         <p:blipFill>
-          <a:blip r:embed="rId3" cstate="screen">
+          <a:blip r:embed="rId4" cstate="screen">
             <a:extLst>
               <a:ext uri="{28A0092B-C50C-407E-A947-70E740481C1C}">
                 <a14:useLocalDpi xmlns:a14="http://schemas.microsoft.com/office/drawing/2010/main"/>
@@ -9781,7 +9940,7 @@
           <p:nvPr/>
         </p:nvPicPr>
         <p:blipFill>
-          <a:blip r:embed="rId4" cstate="print">
+          <a:blip r:embed="rId5" cstate="print">
             <a:extLst>
               <a:ext uri="{28A0092B-C50C-407E-A947-70E740481C1C}">
                 <a14:useLocalDpi xmlns:a14="http://schemas.microsoft.com/office/drawing/2010/main"/>
@@ -9854,7 +10013,7 @@
           <p:nvPr/>
         </p:nvPicPr>
         <p:blipFill>
-          <a:blip r:embed="rId5" cstate="screen">
+          <a:blip r:embed="rId6" cstate="screen">
             <a:extLst>
               <a:ext uri="{28A0092B-C50C-407E-A947-70E740481C1C}">
                 <a14:useLocalDpi xmlns:a14="http://schemas.microsoft.com/office/drawing/2010/main"/>
@@ -9890,7 +10049,7 @@
           <p:nvPr/>
         </p:nvPicPr>
         <p:blipFill>
-          <a:blip r:embed="rId5" cstate="screen">
+          <a:blip r:embed="rId6" cstate="screen">
             <a:extLst>
               <a:ext uri="{28A0092B-C50C-407E-A947-70E740481C1C}">
                 <a14:useLocalDpi xmlns:a14="http://schemas.microsoft.com/office/drawing/2010/main"/>
@@ -9965,6 +10124,11 @@
   <p:clrMapOvr>
     <a:masterClrMapping/>
   </p:clrMapOvr>
+  <p:extLst>
+    <p:ext uri="{6950BFC3-D8DA-4A85-94F7-54DA5524770B}">
+      <p188:commentRel xmlns:p188="http://schemas.microsoft.com/office/powerpoint/2018/8/main" r:id="rId3"/>
+    </p:ext>
+  </p:extLst>
 </p:sld>
 </file>
 
@@ -10106,15 +10270,7 @@
             </a:r>
             <a:r>
               <a:rPr lang="de-DE" sz="2400" dirty="0"/>
-              <a:t>: Sie kann ihre </a:t>
-            </a:r>
-            <a:r>
-              <a:rPr lang="de-DE" sz="2400" dirty="0" err="1"/>
-              <a:t>Map</a:t>
-            </a:r>
-            <a:r>
-              <a:rPr lang="de-DE" sz="2400" dirty="0"/>
-              <a:t> erst speichern, wenn sie </a:t>
+              <a:t>: Sie kann ihre Mind-Map erst speichern, wenn sie </a:t>
             </a:r>
             <a:r>
               <a:rPr lang="de-DE" sz="2400" b="1" dirty="0"/>
@@ -10151,15 +10307,7 @@
             </a:r>
             <a:r>
               <a:rPr lang="de-DE" sz="2400" dirty="0"/>
-              <a:t>Konzepte zeichnen, um ihre </a:t>
-            </a:r>
-            <a:r>
-              <a:rPr lang="de-DE" sz="2400" dirty="0" err="1"/>
-              <a:t>Map</a:t>
-            </a:r>
-            <a:r>
-              <a:rPr lang="de-DE" sz="2400" dirty="0"/>
-              <a:t> speichern zu können. </a:t>
+              <a:t>Konzepte zeichnen, um ihre Mind-Map speichern zu können. </a:t>
             </a:r>
           </a:p>
         </p:txBody>
@@ -10257,7 +10405,7 @@
           <p:nvPr/>
         </p:nvPicPr>
         <p:blipFill>
-          <a:blip r:embed="rId3"/>
+          <a:blip r:embed="rId4"/>
           <a:stretch>
             <a:fillRect/>
           </a:stretch>
@@ -10305,7 +10453,7 @@
             </a:r>
             <a:r>
               <a:rPr lang="de-DE" sz="2800" dirty="0"/>
-              <a:t>, klickt sie einfach auf den hellen Hintergrund in unserem Programm.</a:t>
+              <a:t>, klickt Julia einfach auf den hellen Hintergrund in unserem Programm.</a:t>
             </a:r>
           </a:p>
           <a:p>
@@ -10325,7 +10473,7 @@
           <p:nvPr/>
         </p:nvPicPr>
         <p:blipFill>
-          <a:blip r:embed="rId4" cstate="screen">
+          <a:blip r:embed="rId5" cstate="screen">
             <a:extLst>
               <a:ext uri="{28A0092B-C50C-407E-A947-70E740481C1C}">
                 <a14:useLocalDpi xmlns:a14="http://schemas.microsoft.com/office/drawing/2010/main"/>
@@ -10506,6 +10654,11 @@
   <p:clrMapOvr>
     <a:masterClrMapping/>
   </p:clrMapOvr>
+  <p:extLst>
+    <p:ext uri="{6950BFC3-D8DA-4A85-94F7-54DA5524770B}">
+      <p188:commentRel xmlns:p188="http://schemas.microsoft.com/office/powerpoint/2018/8/main" r:id="rId3"/>
+    </p:ext>
+  </p:extLst>
 </p:sld>
 </file>
 
@@ -10791,7 +10944,7 @@
             </a:pPr>
             <a:r>
               <a:rPr lang="de-DE" sz="2800" dirty="0"/>
-              <a:t>Nun kann Julia andere Konzepte miteinbeziehen, die für ihre Entscheidung, auf dem Wochen einzukaufen, wichtig sind. </a:t>
+              <a:t>Nun kann Julia andere Konzepte miteinbeziehen, die für ihre Entscheidung, auf dem Wochenmarkt einzukaufen, wichtig sind. </a:t>
             </a:r>
           </a:p>
           <a:p>
@@ -10957,7 +11110,7 @@
           <a:p>
             <a:r>
               <a:rPr lang="de-DE" sz="2800" dirty="0"/>
-              <a:t>Als Nächstes hält sie fest, dass der Wochenmarkt im Freien stattfindet.</a:t>
+              <a:t>Als Nächstes hält Julia fest, dass der Wochenmarkt im Freien stattfindet.</a:t>
             </a:r>
           </a:p>
           <a:p>
@@ -11555,7 +11708,7 @@
               </a:spcAft>
             </a:pPr>
             <a:r>
-              <a:rPr lang="en-US" sz="2800" dirty="0" err="1">
+              <a:rPr lang="en-US" sz="2800" dirty="0">
                 <a:ea typeface="Calibri" panose="020F0502020204030204" pitchFamily="34" charset="0"/>
                 <a:cs typeface="Times New Roman" panose="02020603050405020304" pitchFamily="18" charset="0"/>
               </a:rPr>
@@ -11568,7 +11721,7 @@
               </a:rPr>
             </a:br>
             <a:r>
-              <a:rPr lang="en-US" sz="2800" dirty="0" err="1">
+              <a:rPr lang="en-US" sz="2800" dirty="0">
                 <a:ea typeface="Calibri" panose="020F0502020204030204" pitchFamily="34" charset="0"/>
                 <a:cs typeface="Times New Roman" panose="02020603050405020304" pitchFamily="18" charset="0"/>
               </a:rPr>
@@ -11608,7 +11761,7 @@
               </a:spcAft>
             </a:pPr>
             <a:r>
-              <a:rPr lang="en-US" sz="2800" dirty="0" err="1">
+              <a:rPr lang="en-US" sz="2800" dirty="0">
                 <a:ea typeface="Calibri" panose="020F0502020204030204" pitchFamily="34" charset="0"/>
                 <a:cs typeface="Times New Roman" panose="02020603050405020304" pitchFamily="18" charset="0"/>
               </a:rPr>
@@ -11648,25 +11801,11 @@
               </a:spcAft>
             </a:pPr>
             <a:r>
-              <a:rPr lang="en-US" sz="2800" dirty="0" err="1">
-                <a:ea typeface="Calibri" panose="020F0502020204030204" pitchFamily="34" charset="0"/>
-                <a:cs typeface="Times New Roman" panose="02020603050405020304" pitchFamily="18" charset="0"/>
-              </a:rPr>
-              <a:t>leicht</a:t>
-            </a:r>
-            <a:r>
               <a:rPr lang="en-US" sz="2800" dirty="0">
                 <a:ea typeface="Calibri" panose="020F0502020204030204" pitchFamily="34" charset="0"/>
                 <a:cs typeface="Times New Roman" panose="02020603050405020304" pitchFamily="18" charset="0"/>
               </a:rPr>
-              <a:t> </a:t>
-            </a:r>
-            <a:r>
-              <a:rPr lang="en-US" sz="2800" dirty="0" err="1">
-                <a:ea typeface="Calibri" panose="020F0502020204030204" pitchFamily="34" charset="0"/>
-                <a:cs typeface="Times New Roman" panose="02020603050405020304" pitchFamily="18" charset="0"/>
-              </a:rPr>
-              <a:t>positiv</a:t>
+              <a:t>leicht positiv</a:t>
             </a:r>
             <a:endParaRPr lang="aa-ET" sz="2400">
               <a:ea typeface="Calibri" panose="020F0502020204030204" pitchFamily="34" charset="0"/>
@@ -11758,7 +11897,35 @@
                 <a:ea typeface="Calibri" panose="020F0502020204030204" pitchFamily="34" charset="0"/>
                 <a:cs typeface="Times New Roman" panose="02020603050405020304" pitchFamily="18" charset="0"/>
               </a:rPr>
-              <a:t>Je dicker der Rand des Ovals, desto positiver wird das Konzept gewichtet!</a:t>
+              <a:t>Je </a:t>
+            </a:r>
+            <a:r>
+              <a:rPr lang="de-DE" sz="2800" b="1" dirty="0">
+                <a:ea typeface="Calibri" panose="020F0502020204030204" pitchFamily="34" charset="0"/>
+                <a:cs typeface="Times New Roman" panose="02020603050405020304" pitchFamily="18" charset="0"/>
+              </a:rPr>
+              <a:t>dicker </a:t>
+            </a:r>
+            <a:r>
+              <a:rPr lang="de-DE" sz="2800" dirty="0">
+                <a:ea typeface="Calibri" panose="020F0502020204030204" pitchFamily="34" charset="0"/>
+                <a:cs typeface="Times New Roman" panose="02020603050405020304" pitchFamily="18" charset="0"/>
+              </a:rPr>
+              <a:t>der Rand des Ovals, desto </a:t>
+            </a:r>
+            <a:r>
+              <a:rPr lang="de-DE" sz="2800" b="1" dirty="0">
+                <a:ea typeface="Calibri" panose="020F0502020204030204" pitchFamily="34" charset="0"/>
+                <a:cs typeface="Times New Roman" panose="02020603050405020304" pitchFamily="18" charset="0"/>
+              </a:rPr>
+              <a:t>positiver</a:t>
+            </a:r>
+            <a:r>
+              <a:rPr lang="de-DE" sz="2800" dirty="0">
+                <a:ea typeface="Calibri" panose="020F0502020204030204" pitchFamily="34" charset="0"/>
+                <a:cs typeface="Times New Roman" panose="02020603050405020304" pitchFamily="18" charset="0"/>
+              </a:rPr>
+              <a:t> wird das Konzept gewichtet!</a:t>
             </a:r>
             <a:endParaRPr lang="aa-ET" sz="2800" dirty="0">
               <a:ea typeface="Calibri" panose="020F0502020204030204" pitchFamily="34" charset="0"/>
